--- a/Ders 1/Ders 1.pptx
+++ b/Ders 1/Ders 1.pptx
@@ -126,6 +126,9 @@
   <p:extLst>
     <p:ext uri="{EFAFB233-063F-42B5-8137-9DF3F51BA10A}">
       <p15:sldGuideLst xmlns:p15="http://schemas.microsoft.com/office/powerpoint/2012/main"/>
+    </p:ext>
+    <p:ext uri="{2D200454-40CA-4A62-9FC3-DE9A4176ACB9}">
+      <p15:notesGuideLst xmlns:p15="http://schemas.microsoft.com/office/powerpoint/2012/main"/>
     </p:ext>
   </p:extLst>
 </p:presentation>
@@ -6598,7 +6601,7 @@
             </a:r>
             <a:r>
               <a:rPr lang="en-US" dirty="0" err="1"/>
-              <a:t>verebilmek</a:t>
+              <a:t>vermek</a:t>
             </a:r>
             <a:r>
               <a:rPr lang="en-US" dirty="0"/>
@@ -6616,10 +6619,7 @@
               <a:rPr lang="en-US" dirty="0" err="1"/>
               <a:t>kullanılabilir</a:t>
             </a:r>
-            <a:r>
-              <a:rPr lang="en-US" dirty="0"/>
-              <a:t>.</a:t>
-            </a:r>
+            <a:endParaRPr lang="en-US" dirty="0"/>
           </a:p>
           <a:p>
             <a:r>
@@ -6813,7 +6813,15 @@
             </a:r>
             <a:r>
               <a:rPr lang="tr-TR" dirty="0"/>
-              <a:t> için 5V çıktı alabilirsiniz</a:t>
+              <a:t> için</a:t>
+            </a:r>
+            <a:r>
+              <a:rPr lang="en-US" dirty="0"/>
+              <a:t> DENEYAP kart </a:t>
+            </a:r>
+            <a:r>
+              <a:rPr lang="tr-TR" dirty="0"/>
+              <a:t>üzerinden 5V çıktı alabilirsiniz</a:t>
             </a:r>
             <a:endParaRPr lang="en-US" dirty="0"/>
           </a:p>
@@ -7482,20 +7490,8 @@
           <a:lstStyle/>
           <a:p>
             <a:r>
-              <a:rPr lang="tr-TR" sz="2200" dirty="0" err="1"/>
-              <a:t>Deneyap</a:t>
-            </a:r>
-            <a:r>
               <a:rPr lang="tr-TR" sz="2200" dirty="0"/>
-              <a:t> kamerayı doğrudan </a:t>
-            </a:r>
-            <a:r>
-              <a:rPr lang="tr-TR" sz="2200" dirty="0" err="1"/>
-              <a:t>deneyap</a:t>
-            </a:r>
-            <a:r>
-              <a:rPr lang="tr-TR" sz="2200" dirty="0"/>
-              <a:t> karta takabilirsiniz</a:t>
+              <a:t>DENEYAP kamerayı doğrudan DENEYAP karta takabilirsiniz</a:t>
             </a:r>
           </a:p>
           <a:p>

--- a/Ders 1/Ders 1.pptx
+++ b/Ders 1/Ders 1.pptx
@@ -216,7 +216,7 @@
           <a:p>
             <a:fld id="{CCF0C1BC-F95F-4B5A-9A1E-83C5D1C12A1D}" type="datetimeFigureOut">
               <a:rPr lang="en-US" smtClean="0"/>
-              <a:t>8/1/2021</a:t>
+              <a:t>8/2/2021</a:t>
             </a:fld>
             <a:endParaRPr lang="en-US"/>
           </a:p>
@@ -714,7 +714,7 @@
           <a:p>
             <a:fld id="{ED6B3B10-6CA9-47A0-B2F6-3C7B9540674C}" type="datetimeFigureOut">
               <a:rPr lang="en-US" smtClean="0"/>
-              <a:t>8/1/2021</a:t>
+              <a:t>8/2/2021</a:t>
             </a:fld>
             <a:endParaRPr lang="en-US"/>
           </a:p>
@@ -912,7 +912,7 @@
           <a:p>
             <a:fld id="{ED6B3B10-6CA9-47A0-B2F6-3C7B9540674C}" type="datetimeFigureOut">
               <a:rPr lang="en-US" smtClean="0"/>
-              <a:t>8/1/2021</a:t>
+              <a:t>8/2/2021</a:t>
             </a:fld>
             <a:endParaRPr lang="en-US"/>
           </a:p>
@@ -1120,7 +1120,7 @@
           <a:p>
             <a:fld id="{ED6B3B10-6CA9-47A0-B2F6-3C7B9540674C}" type="datetimeFigureOut">
               <a:rPr lang="en-US" smtClean="0"/>
-              <a:t>8/1/2021</a:t>
+              <a:t>8/2/2021</a:t>
             </a:fld>
             <a:endParaRPr lang="en-US"/>
           </a:p>
@@ -1212,6 +1212,58 @@
       </p:grpSpPr>
       <p:sp>
         <p:nvSpPr>
+          <p:cNvPr id="7" name="Rectangle 6">
+            <a:extLst>
+              <a:ext uri="{FF2B5EF4-FFF2-40B4-BE49-F238E27FC236}">
+                <a16:creationId xmlns:a16="http://schemas.microsoft.com/office/drawing/2014/main" id="{CED026B5-C151-44FF-879E-D6D7484373E5}"/>
+              </a:ext>
+            </a:extLst>
+          </p:cNvPr>
+          <p:cNvSpPr/>
+          <p:nvPr userDrawn="1"/>
+        </p:nvSpPr>
+        <p:spPr>
+          <a:xfrm>
+            <a:off x="520045" y="250824"/>
+            <a:ext cx="11151910" cy="6356351"/>
+          </a:xfrm>
+          <a:prstGeom prst="rect">
+            <a:avLst/>
+          </a:prstGeom>
+          <a:solidFill>
+            <a:schemeClr val="bg1"/>
+          </a:solidFill>
+          <a:ln>
+            <a:noFill/>
+          </a:ln>
+        </p:spPr>
+        <p:style>
+          <a:lnRef idx="2">
+            <a:schemeClr val="accent1">
+              <a:shade val="50000"/>
+            </a:schemeClr>
+          </a:lnRef>
+          <a:fillRef idx="1">
+            <a:schemeClr val="accent1"/>
+          </a:fillRef>
+          <a:effectRef idx="0">
+            <a:schemeClr val="accent1"/>
+          </a:effectRef>
+          <a:fontRef idx="minor">
+            <a:schemeClr val="lt1"/>
+          </a:fontRef>
+        </p:style>
+        <p:txBody>
+          <a:bodyPr rtlCol="0" anchor="ctr"/>
+          <a:lstStyle/>
+          <a:p>
+            <a:pPr algn="ctr"/>
+            <a:endParaRPr lang="en-US"/>
+          </a:p>
+        </p:txBody>
+      </p:sp>
+      <p:sp>
+        <p:nvSpPr>
           <p:cNvPr id="2" name="Title 1">
             <a:extLst>
               <a:ext uri="{FF2B5EF4-FFF2-40B4-BE49-F238E27FC236}">
@@ -1318,7 +1370,7 @@
           <a:p>
             <a:fld id="{ED6B3B10-6CA9-47A0-B2F6-3C7B9540674C}" type="datetimeFigureOut">
               <a:rPr lang="en-US" smtClean="0"/>
-              <a:t>8/1/2021</a:t>
+              <a:t>8/2/2021</a:t>
             </a:fld>
             <a:endParaRPr lang="en-US"/>
           </a:p>
@@ -1378,6 +1430,36 @@
           </a:p>
         </p:txBody>
       </p:sp>
+      <p:pic>
+        <p:nvPicPr>
+          <p:cNvPr id="9" name="Picture 8">
+            <a:extLst>
+              <a:ext uri="{FF2B5EF4-FFF2-40B4-BE49-F238E27FC236}">
+                <a16:creationId xmlns:a16="http://schemas.microsoft.com/office/drawing/2014/main" id="{26295D5C-6277-4413-9C61-59C918C5E96E}"/>
+              </a:ext>
+            </a:extLst>
+          </p:cNvPr>
+          <p:cNvPicPr>
+            <a:picLocks noChangeAspect="1"/>
+          </p:cNvPicPr>
+          <p:nvPr userDrawn="1"/>
+        </p:nvPicPr>
+        <p:blipFill>
+          <a:blip r:embed="rId2"/>
+          <a:stretch>
+            <a:fillRect/>
+          </a:stretch>
+        </p:blipFill>
+        <p:spPr>
+          <a:xfrm>
+            <a:off x="838200" y="1686709"/>
+            <a:ext cx="10478962" cy="142895"/>
+          </a:xfrm>
+          <a:prstGeom prst="rect">
+            <a:avLst/>
+          </a:prstGeom>
+        </p:spPr>
+      </p:pic>
     </p:spTree>
     <p:extLst>
       <p:ext uri="{BB962C8B-B14F-4D97-AF65-F5344CB8AC3E}">
@@ -1408,6 +1490,58 @@
           <a:chExt cx="0" cy="0"/>
         </a:xfrm>
       </p:grpSpPr>
+      <p:sp>
+        <p:nvSpPr>
+          <p:cNvPr id="7" name="Rectangle 6">
+            <a:extLst>
+              <a:ext uri="{FF2B5EF4-FFF2-40B4-BE49-F238E27FC236}">
+                <a16:creationId xmlns:a16="http://schemas.microsoft.com/office/drawing/2014/main" id="{9CE57CB4-0570-4CFF-8106-198D2335AF3F}"/>
+              </a:ext>
+            </a:extLst>
+          </p:cNvPr>
+          <p:cNvSpPr/>
+          <p:nvPr userDrawn="1"/>
+        </p:nvSpPr>
+        <p:spPr>
+          <a:xfrm>
+            <a:off x="520045" y="250824"/>
+            <a:ext cx="11151910" cy="6356351"/>
+          </a:xfrm>
+          <a:prstGeom prst="rect">
+            <a:avLst/>
+          </a:prstGeom>
+          <a:solidFill>
+            <a:schemeClr val="bg1"/>
+          </a:solidFill>
+          <a:ln>
+            <a:noFill/>
+          </a:ln>
+        </p:spPr>
+        <p:style>
+          <a:lnRef idx="2">
+            <a:schemeClr val="accent1">
+              <a:shade val="50000"/>
+            </a:schemeClr>
+          </a:lnRef>
+          <a:fillRef idx="1">
+            <a:schemeClr val="accent1"/>
+          </a:fillRef>
+          <a:effectRef idx="0">
+            <a:schemeClr val="accent1"/>
+          </a:effectRef>
+          <a:fontRef idx="minor">
+            <a:schemeClr val="lt1"/>
+          </a:fontRef>
+        </p:style>
+        <p:txBody>
+          <a:bodyPr rtlCol="0" anchor="ctr"/>
+          <a:lstStyle/>
+          <a:p>
+            <a:pPr algn="ctr"/>
+            <a:endParaRPr lang="en-US"/>
+          </a:p>
+        </p:txBody>
+      </p:sp>
       <p:sp>
         <p:nvSpPr>
           <p:cNvPr id="2" name="Title 1">
@@ -1593,7 +1727,7 @@
           <a:p>
             <a:fld id="{ED6B3B10-6CA9-47A0-B2F6-3C7B9540674C}" type="datetimeFigureOut">
               <a:rPr lang="en-US" smtClean="0"/>
-              <a:t>8/1/2021</a:t>
+              <a:t>8/2/2021</a:t>
             </a:fld>
             <a:endParaRPr lang="en-US"/>
           </a:p>
@@ -1653,6 +1787,36 @@
           </a:p>
         </p:txBody>
       </p:sp>
+      <p:pic>
+        <p:nvPicPr>
+          <p:cNvPr id="9" name="Picture 8">
+            <a:extLst>
+              <a:ext uri="{FF2B5EF4-FFF2-40B4-BE49-F238E27FC236}">
+                <a16:creationId xmlns:a16="http://schemas.microsoft.com/office/drawing/2014/main" id="{3E726298-1FAA-4126-A80F-2CA6FD7FD075}"/>
+              </a:ext>
+            </a:extLst>
+          </p:cNvPr>
+          <p:cNvPicPr>
+            <a:picLocks noChangeAspect="1"/>
+          </p:cNvPicPr>
+          <p:nvPr userDrawn="1"/>
+        </p:nvPicPr>
+        <p:blipFill>
+          <a:blip r:embed="rId2"/>
+          <a:stretch>
+            <a:fillRect/>
+          </a:stretch>
+        </p:blipFill>
+        <p:spPr>
+          <a:xfrm>
+            <a:off x="844550" y="4548178"/>
+            <a:ext cx="10478962" cy="142895"/>
+          </a:xfrm>
+          <a:prstGeom prst="rect">
+            <a:avLst/>
+          </a:prstGeom>
+        </p:spPr>
+      </p:pic>
     </p:spTree>
     <p:extLst>
       <p:ext uri="{BB962C8B-B14F-4D97-AF65-F5344CB8AC3E}">
@@ -1685,6 +1849,58 @@
       </p:grpSpPr>
       <p:sp>
         <p:nvSpPr>
+          <p:cNvPr id="8" name="Rectangle 7">
+            <a:extLst>
+              <a:ext uri="{FF2B5EF4-FFF2-40B4-BE49-F238E27FC236}">
+                <a16:creationId xmlns:a16="http://schemas.microsoft.com/office/drawing/2014/main" id="{C1C0635D-59AA-4167-880C-66CA3C3C0A97}"/>
+              </a:ext>
+            </a:extLst>
+          </p:cNvPr>
+          <p:cNvSpPr/>
+          <p:nvPr userDrawn="1"/>
+        </p:nvSpPr>
+        <p:spPr>
+          <a:xfrm>
+            <a:off x="443845" y="250824"/>
+            <a:ext cx="11151910" cy="6356351"/>
+          </a:xfrm>
+          <a:prstGeom prst="rect">
+            <a:avLst/>
+          </a:prstGeom>
+          <a:solidFill>
+            <a:schemeClr val="bg1"/>
+          </a:solidFill>
+          <a:ln>
+            <a:noFill/>
+          </a:ln>
+        </p:spPr>
+        <p:style>
+          <a:lnRef idx="2">
+            <a:schemeClr val="accent1">
+              <a:shade val="50000"/>
+            </a:schemeClr>
+          </a:lnRef>
+          <a:fillRef idx="1">
+            <a:schemeClr val="accent1"/>
+          </a:fillRef>
+          <a:effectRef idx="0">
+            <a:schemeClr val="accent1"/>
+          </a:effectRef>
+          <a:fontRef idx="minor">
+            <a:schemeClr val="lt1"/>
+          </a:fontRef>
+        </p:style>
+        <p:txBody>
+          <a:bodyPr rtlCol="0" anchor="ctr"/>
+          <a:lstStyle/>
+          <a:p>
+            <a:pPr algn="ctr"/>
+            <a:endParaRPr lang="en-US"/>
+          </a:p>
+        </p:txBody>
+      </p:sp>
+      <p:sp>
+        <p:nvSpPr>
           <p:cNvPr id="2" name="Title 1">
             <a:extLst>
               <a:ext uri="{FF2B5EF4-FFF2-40B4-BE49-F238E27FC236}">
@@ -1858,7 +2074,7 @@
           <a:p>
             <a:fld id="{ED6B3B10-6CA9-47A0-B2F6-3C7B9540674C}" type="datetimeFigureOut">
               <a:rPr lang="en-US" smtClean="0"/>
-              <a:t>8/1/2021</a:t>
+              <a:t>8/2/2021</a:t>
             </a:fld>
             <a:endParaRPr lang="en-US"/>
           </a:p>
@@ -1918,6 +2134,36 @@
           </a:p>
         </p:txBody>
       </p:sp>
+      <p:pic>
+        <p:nvPicPr>
+          <p:cNvPr id="10" name="Picture 9">
+            <a:extLst>
+              <a:ext uri="{FF2B5EF4-FFF2-40B4-BE49-F238E27FC236}">
+                <a16:creationId xmlns:a16="http://schemas.microsoft.com/office/drawing/2014/main" id="{B01EF741-AE2E-4A8A-9E2B-F6BAB8369D6F}"/>
+              </a:ext>
+            </a:extLst>
+          </p:cNvPr>
+          <p:cNvPicPr>
+            <a:picLocks noChangeAspect="1"/>
+          </p:cNvPicPr>
+          <p:nvPr userDrawn="1"/>
+        </p:nvPicPr>
+        <p:blipFill>
+          <a:blip r:embed="rId2"/>
+          <a:stretch>
+            <a:fillRect/>
+          </a:stretch>
+        </p:blipFill>
+        <p:spPr>
+          <a:xfrm>
+            <a:off x="838200" y="1688415"/>
+            <a:ext cx="10478962" cy="142895"/>
+          </a:xfrm>
+          <a:prstGeom prst="rect">
+            <a:avLst/>
+          </a:prstGeom>
+        </p:spPr>
+      </p:pic>
     </p:spTree>
     <p:extLst>
       <p:ext uri="{BB962C8B-B14F-4D97-AF65-F5344CB8AC3E}">
@@ -1948,6 +2194,58 @@
           <a:chExt cx="0" cy="0"/>
         </a:xfrm>
       </p:grpSpPr>
+      <p:sp>
+        <p:nvSpPr>
+          <p:cNvPr id="10" name="Rectangle 9">
+            <a:extLst>
+              <a:ext uri="{FF2B5EF4-FFF2-40B4-BE49-F238E27FC236}">
+                <a16:creationId xmlns:a16="http://schemas.microsoft.com/office/drawing/2014/main" id="{4E7C6F7F-F007-47C2-A401-372FEA5A0A64}"/>
+              </a:ext>
+            </a:extLst>
+          </p:cNvPr>
+          <p:cNvSpPr/>
+          <p:nvPr userDrawn="1"/>
+        </p:nvSpPr>
+        <p:spPr>
+          <a:xfrm>
+            <a:off x="520045" y="250824"/>
+            <a:ext cx="11151910" cy="6356351"/>
+          </a:xfrm>
+          <a:prstGeom prst="rect">
+            <a:avLst/>
+          </a:prstGeom>
+          <a:solidFill>
+            <a:schemeClr val="bg1"/>
+          </a:solidFill>
+          <a:ln>
+            <a:noFill/>
+          </a:ln>
+        </p:spPr>
+        <p:style>
+          <a:lnRef idx="2">
+            <a:schemeClr val="accent1">
+              <a:shade val="50000"/>
+            </a:schemeClr>
+          </a:lnRef>
+          <a:fillRef idx="1">
+            <a:schemeClr val="accent1"/>
+          </a:fillRef>
+          <a:effectRef idx="0">
+            <a:schemeClr val="accent1"/>
+          </a:effectRef>
+          <a:fontRef idx="minor">
+            <a:schemeClr val="lt1"/>
+          </a:fontRef>
+        </p:style>
+        <p:txBody>
+          <a:bodyPr rtlCol="0" anchor="ctr"/>
+          <a:lstStyle/>
+          <a:p>
+            <a:pPr algn="ctr"/>
+            <a:endParaRPr lang="en-US"/>
+          </a:p>
+        </p:txBody>
+      </p:sp>
       <p:sp>
         <p:nvSpPr>
           <p:cNvPr id="2" name="Title 1">
@@ -2270,7 +2568,7 @@
           <a:p>
             <a:fld id="{ED6B3B10-6CA9-47A0-B2F6-3C7B9540674C}" type="datetimeFigureOut">
               <a:rPr lang="en-US" smtClean="0"/>
-              <a:t>8/1/2021</a:t>
+              <a:t>8/2/2021</a:t>
             </a:fld>
             <a:endParaRPr lang="en-US"/>
           </a:p>
@@ -2330,6 +2628,36 @@
           </a:p>
         </p:txBody>
       </p:sp>
+      <p:pic>
+        <p:nvPicPr>
+          <p:cNvPr id="12" name="Picture 11">
+            <a:extLst>
+              <a:ext uri="{FF2B5EF4-FFF2-40B4-BE49-F238E27FC236}">
+                <a16:creationId xmlns:a16="http://schemas.microsoft.com/office/drawing/2014/main" id="{AB950082-923D-4766-8812-EC383CCFC6E8}"/>
+              </a:ext>
+            </a:extLst>
+          </p:cNvPr>
+          <p:cNvPicPr>
+            <a:picLocks noChangeAspect="1"/>
+          </p:cNvPicPr>
+          <p:nvPr userDrawn="1"/>
+        </p:nvPicPr>
+        <p:blipFill>
+          <a:blip r:embed="rId2"/>
+          <a:stretch>
+            <a:fillRect/>
+          </a:stretch>
+        </p:blipFill>
+        <p:spPr>
+          <a:xfrm>
+            <a:off x="836612" y="1604943"/>
+            <a:ext cx="10478962" cy="142895"/>
+          </a:xfrm>
+          <a:prstGeom prst="rect">
+            <a:avLst/>
+          </a:prstGeom>
+        </p:spPr>
+      </p:pic>
     </p:spTree>
     <p:extLst>
       <p:ext uri="{BB962C8B-B14F-4D97-AF65-F5344CB8AC3E}">
@@ -2411,7 +2739,7 @@
           <a:p>
             <a:fld id="{ED6B3B10-6CA9-47A0-B2F6-3C7B9540674C}" type="datetimeFigureOut">
               <a:rPr lang="en-US" smtClean="0"/>
-              <a:t>8/1/2021</a:t>
+              <a:t>8/2/2021</a:t>
             </a:fld>
             <a:endParaRPr lang="en-US"/>
           </a:p>
@@ -2524,7 +2852,7 @@
           <a:p>
             <a:fld id="{ED6B3B10-6CA9-47A0-B2F6-3C7B9540674C}" type="datetimeFigureOut">
               <a:rPr lang="en-US" smtClean="0"/>
-              <a:t>8/1/2021</a:t>
+              <a:t>8/2/2021</a:t>
             </a:fld>
             <a:endParaRPr lang="en-US"/>
           </a:p>
@@ -2835,7 +3163,7 @@
           <a:p>
             <a:fld id="{ED6B3B10-6CA9-47A0-B2F6-3C7B9540674C}" type="datetimeFigureOut">
               <a:rPr lang="en-US" smtClean="0"/>
-              <a:t>8/1/2021</a:t>
+              <a:t>8/2/2021</a:t>
             </a:fld>
             <a:endParaRPr lang="en-US"/>
           </a:p>
@@ -3123,7 +3451,7 @@
           <a:p>
             <a:fld id="{ED6B3B10-6CA9-47A0-B2F6-3C7B9540674C}" type="datetimeFigureOut">
               <a:rPr lang="en-US" smtClean="0"/>
-              <a:t>8/1/2021</a:t>
+              <a:t>8/2/2021</a:t>
             </a:fld>
             <a:endParaRPr lang="en-US"/>
           </a:p>
@@ -3453,7 +3781,7 @@
           <a:p>
             <a:fld id="{ED6B3B10-6CA9-47A0-B2F6-3C7B9540674C}" type="datetimeFigureOut">
               <a:rPr lang="en-US" smtClean="0"/>
-              <a:t>8/1/2021</a:t>
+              <a:t>8/2/2021</a:t>
             </a:fld>
             <a:endParaRPr lang="en-US"/>
           </a:p>
@@ -8538,6 +8866,36 @@
           </a:p>
         </p:txBody>
       </p:sp>
+      <p:pic>
+        <p:nvPicPr>
+          <p:cNvPr id="7" name="Picture 6">
+            <a:extLst>
+              <a:ext uri="{FF2B5EF4-FFF2-40B4-BE49-F238E27FC236}">
+                <a16:creationId xmlns:a16="http://schemas.microsoft.com/office/drawing/2014/main" id="{206F144C-C3A2-404D-AAC0-A6C8712DA79B}"/>
+              </a:ext>
+            </a:extLst>
+          </p:cNvPr>
+          <p:cNvPicPr>
+            <a:picLocks noChangeAspect="1"/>
+          </p:cNvPicPr>
+          <p:nvPr/>
+        </p:nvPicPr>
+        <p:blipFill>
+          <a:blip r:embed="rId2"/>
+          <a:stretch>
+            <a:fillRect/>
+          </a:stretch>
+        </p:blipFill>
+        <p:spPr>
+          <a:xfrm>
+            <a:off x="856519" y="4521657"/>
+            <a:ext cx="10478962" cy="142895"/>
+          </a:xfrm>
+          <a:prstGeom prst="rect">
+            <a:avLst/>
+          </a:prstGeom>
+        </p:spPr>
+      </p:pic>
     </p:spTree>
     <p:extLst>
       <p:ext uri="{BB962C8B-B14F-4D97-AF65-F5344CB8AC3E}">
